--- a/HighCondRepresentativeModelTests/HCConsistencyWithWithoutNoise_BothModels.pptx
+++ b/HighCondRepresentativeModelTests/HCConsistencyWithWithoutNoise_BothModels.pptx
@@ -10,14 +10,14 @@
   <p:sldIdLst>
     <p:sldId id="256" r:id="rId2"/>
   </p:sldIdLst>
-  <p:sldSz cx="14400213" cy="10972800"/>
+  <p:sldSz cx="10799763" cy="18719800"/>
   <p:notesSz cx="6858000" cy="9144000"/>
   <p:defaultTextStyle>
     <a:defPPr>
       <a:defRPr lang="en-US"/>
     </a:defPPr>
-    <a:lvl1pPr marL="0" algn="l" defTabSz="2468880" rtl="0" eaLnBrk="1" latinLnBrk="0" hangingPunct="1">
-      <a:defRPr sz="4900" kern="1200">
+    <a:lvl1pPr marL="0" algn="l" defTabSz="2130890" rtl="0" eaLnBrk="1" latinLnBrk="0" hangingPunct="1">
+      <a:defRPr sz="4229" kern="1200">
         <a:solidFill>
           <a:schemeClr val="tx1"/>
         </a:solidFill>
@@ -26,8 +26,8 @@
         <a:cs typeface="+mn-cs"/>
       </a:defRPr>
     </a:lvl1pPr>
-    <a:lvl2pPr marL="1234440" algn="l" defTabSz="2468880" rtl="0" eaLnBrk="1" latinLnBrk="0" hangingPunct="1">
-      <a:defRPr sz="4900" kern="1200">
+    <a:lvl2pPr marL="1065445" algn="l" defTabSz="2130890" rtl="0" eaLnBrk="1" latinLnBrk="0" hangingPunct="1">
+      <a:defRPr sz="4229" kern="1200">
         <a:solidFill>
           <a:schemeClr val="tx1"/>
         </a:solidFill>
@@ -36,8 +36,8 @@
         <a:cs typeface="+mn-cs"/>
       </a:defRPr>
     </a:lvl2pPr>
-    <a:lvl3pPr marL="2468880" algn="l" defTabSz="2468880" rtl="0" eaLnBrk="1" latinLnBrk="0" hangingPunct="1">
-      <a:defRPr sz="4900" kern="1200">
+    <a:lvl3pPr marL="2130890" algn="l" defTabSz="2130890" rtl="0" eaLnBrk="1" latinLnBrk="0" hangingPunct="1">
+      <a:defRPr sz="4229" kern="1200">
         <a:solidFill>
           <a:schemeClr val="tx1"/>
         </a:solidFill>
@@ -46,8 +46,8 @@
         <a:cs typeface="+mn-cs"/>
       </a:defRPr>
     </a:lvl3pPr>
-    <a:lvl4pPr marL="3703320" algn="l" defTabSz="2468880" rtl="0" eaLnBrk="1" latinLnBrk="0" hangingPunct="1">
-      <a:defRPr sz="4900" kern="1200">
+    <a:lvl4pPr marL="3196335" algn="l" defTabSz="2130890" rtl="0" eaLnBrk="1" latinLnBrk="0" hangingPunct="1">
+      <a:defRPr sz="4229" kern="1200">
         <a:solidFill>
           <a:schemeClr val="tx1"/>
         </a:solidFill>
@@ -56,8 +56,8 @@
         <a:cs typeface="+mn-cs"/>
       </a:defRPr>
     </a:lvl4pPr>
-    <a:lvl5pPr marL="4937760" algn="l" defTabSz="2468880" rtl="0" eaLnBrk="1" latinLnBrk="0" hangingPunct="1">
-      <a:defRPr sz="4900" kern="1200">
+    <a:lvl5pPr marL="4261781" algn="l" defTabSz="2130890" rtl="0" eaLnBrk="1" latinLnBrk="0" hangingPunct="1">
+      <a:defRPr sz="4229" kern="1200">
         <a:solidFill>
           <a:schemeClr val="tx1"/>
         </a:solidFill>
@@ -66,8 +66,8 @@
         <a:cs typeface="+mn-cs"/>
       </a:defRPr>
     </a:lvl5pPr>
-    <a:lvl6pPr marL="6172200" algn="l" defTabSz="2468880" rtl="0" eaLnBrk="1" latinLnBrk="0" hangingPunct="1">
-      <a:defRPr sz="4900" kern="1200">
+    <a:lvl6pPr marL="5327226" algn="l" defTabSz="2130890" rtl="0" eaLnBrk="1" latinLnBrk="0" hangingPunct="1">
+      <a:defRPr sz="4229" kern="1200">
         <a:solidFill>
           <a:schemeClr val="tx1"/>
         </a:solidFill>
@@ -76,8 +76,8 @@
         <a:cs typeface="+mn-cs"/>
       </a:defRPr>
     </a:lvl6pPr>
-    <a:lvl7pPr marL="7406640" algn="l" defTabSz="2468880" rtl="0" eaLnBrk="1" latinLnBrk="0" hangingPunct="1">
-      <a:defRPr sz="4900" kern="1200">
+    <a:lvl7pPr marL="6392671" algn="l" defTabSz="2130890" rtl="0" eaLnBrk="1" latinLnBrk="0" hangingPunct="1">
+      <a:defRPr sz="4229" kern="1200">
         <a:solidFill>
           <a:schemeClr val="tx1"/>
         </a:solidFill>
@@ -86,8 +86,8 @@
         <a:cs typeface="+mn-cs"/>
       </a:defRPr>
     </a:lvl7pPr>
-    <a:lvl8pPr marL="8641080" algn="l" defTabSz="2468880" rtl="0" eaLnBrk="1" latinLnBrk="0" hangingPunct="1">
-      <a:defRPr sz="4900" kern="1200">
+    <a:lvl8pPr marL="7458116" algn="l" defTabSz="2130890" rtl="0" eaLnBrk="1" latinLnBrk="0" hangingPunct="1">
+      <a:defRPr sz="4229" kern="1200">
         <a:solidFill>
           <a:schemeClr val="tx1"/>
         </a:solidFill>
@@ -96,8 +96,8 @@
         <a:cs typeface="+mn-cs"/>
       </a:defRPr>
     </a:lvl8pPr>
-    <a:lvl9pPr marL="9875520" algn="l" defTabSz="2468880" rtl="0" eaLnBrk="1" latinLnBrk="0" hangingPunct="1">
-      <a:defRPr sz="4900" kern="1200">
+    <a:lvl9pPr marL="8523561" algn="l" defTabSz="2130890" rtl="0" eaLnBrk="1" latinLnBrk="0" hangingPunct="1">
+      <a:defRPr sz="4229" kern="1200">
         <a:solidFill>
           <a:schemeClr val="tx1"/>
         </a:solidFill>
@@ -110,12 +110,12 @@
   <p:extLst>
     <p:ext uri="{EFAFB233-063F-42B5-8137-9DF3F51BA10A}">
       <p15:sldGuideLst xmlns:p15="http://schemas.microsoft.com/office/powerpoint/2012/main">
-        <p15:guide id="1" orient="horz" pos="3456" userDrawn="1">
+        <p15:guide id="1" orient="horz" pos="5896" userDrawn="1">
           <p15:clr>
             <a:srgbClr val="A4A3A4"/>
           </p15:clr>
         </p15:guide>
-        <p15:guide id="2" pos="4536" userDrawn="1">
+        <p15:guide id="2" pos="3402" userDrawn="1">
           <p15:clr>
             <a:srgbClr val="A4A3A4"/>
           </p15:clr>
@@ -208,7 +208,7 @@
           <a:p>
             <a:fld id="{767DAEA1-967D-4ACD-89D4-B5AB51550092}" type="datetimeFigureOut">
               <a:rPr lang="en-US" smtClean="0"/>
-              <a:t>10/21/17</a:t>
+              <a:t>5/13/18</a:t>
             </a:fld>
             <a:endParaRPr lang="en-US"/>
           </a:p>
@@ -226,8 +226,8 @@
         </p:nvSpPr>
         <p:spPr>
           <a:xfrm>
-            <a:off x="1179513" y="685800"/>
-            <a:ext cx="4498975" cy="3429000"/>
+            <a:off x="2439988" y="685800"/>
+            <a:ext cx="1978025" cy="3429000"/>
           </a:xfrm>
           <a:prstGeom prst="rect">
             <a:avLst/>
@@ -382,8 +382,8 @@
   </p:cSld>
   <p:clrMap bg1="lt1" tx1="dk1" bg2="lt2" tx2="dk2" accent1="accent1" accent2="accent2" accent3="accent3" accent4="accent4" accent5="accent5" accent6="accent6" hlink="hlink" folHlink="folHlink"/>
   <p:notesStyle>
-    <a:lvl1pPr marL="0" algn="l" defTabSz="2468880" rtl="0" eaLnBrk="1" latinLnBrk="0" hangingPunct="1">
-      <a:defRPr sz="3200" kern="1200">
+    <a:lvl1pPr marL="0" algn="l" defTabSz="2130890" rtl="0" eaLnBrk="1" latinLnBrk="0" hangingPunct="1">
+      <a:defRPr sz="2762" kern="1200">
         <a:solidFill>
           <a:schemeClr val="tx1"/>
         </a:solidFill>
@@ -392,8 +392,8 @@
         <a:cs typeface="+mn-cs"/>
       </a:defRPr>
     </a:lvl1pPr>
-    <a:lvl2pPr marL="1234440" algn="l" defTabSz="2468880" rtl="0" eaLnBrk="1" latinLnBrk="0" hangingPunct="1">
-      <a:defRPr sz="3200" kern="1200">
+    <a:lvl2pPr marL="1065445" algn="l" defTabSz="2130890" rtl="0" eaLnBrk="1" latinLnBrk="0" hangingPunct="1">
+      <a:defRPr sz="2762" kern="1200">
         <a:solidFill>
           <a:schemeClr val="tx1"/>
         </a:solidFill>
@@ -402,8 +402,8 @@
         <a:cs typeface="+mn-cs"/>
       </a:defRPr>
     </a:lvl2pPr>
-    <a:lvl3pPr marL="2468880" algn="l" defTabSz="2468880" rtl="0" eaLnBrk="1" latinLnBrk="0" hangingPunct="1">
-      <a:defRPr sz="3200" kern="1200">
+    <a:lvl3pPr marL="2130890" algn="l" defTabSz="2130890" rtl="0" eaLnBrk="1" latinLnBrk="0" hangingPunct="1">
+      <a:defRPr sz="2762" kern="1200">
         <a:solidFill>
           <a:schemeClr val="tx1"/>
         </a:solidFill>
@@ -412,8 +412,8 @@
         <a:cs typeface="+mn-cs"/>
       </a:defRPr>
     </a:lvl3pPr>
-    <a:lvl4pPr marL="3703320" algn="l" defTabSz="2468880" rtl="0" eaLnBrk="1" latinLnBrk="0" hangingPunct="1">
-      <a:defRPr sz="3200" kern="1200">
+    <a:lvl4pPr marL="3196335" algn="l" defTabSz="2130890" rtl="0" eaLnBrk="1" latinLnBrk="0" hangingPunct="1">
+      <a:defRPr sz="2762" kern="1200">
         <a:solidFill>
           <a:schemeClr val="tx1"/>
         </a:solidFill>
@@ -422,8 +422,8 @@
         <a:cs typeface="+mn-cs"/>
       </a:defRPr>
     </a:lvl4pPr>
-    <a:lvl5pPr marL="4937760" algn="l" defTabSz="2468880" rtl="0" eaLnBrk="1" latinLnBrk="0" hangingPunct="1">
-      <a:defRPr sz="3200" kern="1200">
+    <a:lvl5pPr marL="4261781" algn="l" defTabSz="2130890" rtl="0" eaLnBrk="1" latinLnBrk="0" hangingPunct="1">
+      <a:defRPr sz="2762" kern="1200">
         <a:solidFill>
           <a:schemeClr val="tx1"/>
         </a:solidFill>
@@ -432,8 +432,8 @@
         <a:cs typeface="+mn-cs"/>
       </a:defRPr>
     </a:lvl5pPr>
-    <a:lvl6pPr marL="6172200" algn="l" defTabSz="2468880" rtl="0" eaLnBrk="1" latinLnBrk="0" hangingPunct="1">
-      <a:defRPr sz="3200" kern="1200">
+    <a:lvl6pPr marL="5327226" algn="l" defTabSz="2130890" rtl="0" eaLnBrk="1" latinLnBrk="0" hangingPunct="1">
+      <a:defRPr sz="2762" kern="1200">
         <a:solidFill>
           <a:schemeClr val="tx1"/>
         </a:solidFill>
@@ -442,8 +442,8 @@
         <a:cs typeface="+mn-cs"/>
       </a:defRPr>
     </a:lvl6pPr>
-    <a:lvl7pPr marL="7406640" algn="l" defTabSz="2468880" rtl="0" eaLnBrk="1" latinLnBrk="0" hangingPunct="1">
-      <a:defRPr sz="3200" kern="1200">
+    <a:lvl7pPr marL="6392671" algn="l" defTabSz="2130890" rtl="0" eaLnBrk="1" latinLnBrk="0" hangingPunct="1">
+      <a:defRPr sz="2762" kern="1200">
         <a:solidFill>
           <a:schemeClr val="tx1"/>
         </a:solidFill>
@@ -452,8 +452,8 @@
         <a:cs typeface="+mn-cs"/>
       </a:defRPr>
     </a:lvl7pPr>
-    <a:lvl8pPr marL="8641080" algn="l" defTabSz="2468880" rtl="0" eaLnBrk="1" latinLnBrk="0" hangingPunct="1">
-      <a:defRPr sz="3200" kern="1200">
+    <a:lvl8pPr marL="7458116" algn="l" defTabSz="2130890" rtl="0" eaLnBrk="1" latinLnBrk="0" hangingPunct="1">
+      <a:defRPr sz="2762" kern="1200">
         <a:solidFill>
           <a:schemeClr val="tx1"/>
         </a:solidFill>
@@ -462,8 +462,8 @@
         <a:cs typeface="+mn-cs"/>
       </a:defRPr>
     </a:lvl8pPr>
-    <a:lvl9pPr marL="9875520" algn="l" defTabSz="2468880" rtl="0" eaLnBrk="1" latinLnBrk="0" hangingPunct="1">
-      <a:defRPr sz="3200" kern="1200">
+    <a:lvl9pPr marL="8523561" algn="l" defTabSz="2130890" rtl="0" eaLnBrk="1" latinLnBrk="0" hangingPunct="1">
+      <a:defRPr sz="2762" kern="1200">
         <a:solidFill>
           <a:schemeClr val="tx1"/>
         </a:solidFill>
@@ -505,8 +505,8 @@
         </p:nvSpPr>
         <p:spPr>
           <a:xfrm>
-            <a:off x="1179513" y="685800"/>
-            <a:ext cx="4498975" cy="3429000"/>
+            <a:off x="2439988" y="685800"/>
+            <a:ext cx="1978025" cy="3429000"/>
           </a:xfrm>
         </p:spPr>
       </p:sp>
@@ -594,8 +594,8 @@
         </p:nvSpPr>
         <p:spPr>
           <a:xfrm>
-            <a:off x="1080016" y="3408683"/>
-            <a:ext cx="12240181" cy="2352040"/>
+            <a:off x="809983" y="5815276"/>
+            <a:ext cx="9179799" cy="4012624"/>
           </a:xfrm>
         </p:spPr>
         <p:txBody>
@@ -622,8 +622,8 @@
         </p:nvSpPr>
         <p:spPr>
           <a:xfrm>
-            <a:off x="2160032" y="6217920"/>
-            <a:ext cx="10080149" cy="2804160"/>
+            <a:off x="1619965" y="10607888"/>
+            <a:ext cx="7559834" cy="4783949"/>
           </a:xfrm>
         </p:spPr>
         <p:txBody>
@@ -746,7 +746,7 @@
           <a:p>
             <a:fld id="{07CFCC3F-9C50-4357-A512-F047B52B42A6}" type="datetimeFigureOut">
               <a:rPr lang="en-US" smtClean="0"/>
-              <a:t>10/21/17</a:t>
+              <a:t>5/13/18</a:t>
             </a:fld>
             <a:endParaRPr lang="en-US"/>
           </a:p>
@@ -916,7 +916,7 @@
           <a:p>
             <a:fld id="{07CFCC3F-9C50-4357-A512-F047B52B42A6}" type="datetimeFigureOut">
               <a:rPr lang="en-US" smtClean="0"/>
-              <a:t>10/21/17</a:t>
+              <a:t>5/13/18</a:t>
             </a:fld>
             <a:endParaRPr lang="en-US"/>
           </a:p>
@@ -1006,8 +1006,8 @@
         </p:nvSpPr>
         <p:spPr>
           <a:xfrm>
-            <a:off x="32887991" y="922023"/>
-            <a:ext cx="10205151" cy="19662139"/>
+            <a:off x="24665089" y="1572991"/>
+            <a:ext cx="7653582" cy="33543973"/>
           </a:xfrm>
         </p:spPr>
         <p:txBody>
@@ -1034,8 +1034,8 @@
         </p:nvSpPr>
         <p:spPr>
           <a:xfrm>
-            <a:off x="2267537" y="922023"/>
-            <a:ext cx="30380449" cy="19662139"/>
+            <a:off x="1700592" y="1572991"/>
+            <a:ext cx="22784499" cy="33543973"/>
           </a:xfrm>
         </p:spPr>
         <p:txBody>
@@ -1096,7 +1096,7 @@
           <a:p>
             <a:fld id="{07CFCC3F-9C50-4357-A512-F047B52B42A6}" type="datetimeFigureOut">
               <a:rPr lang="en-US" smtClean="0"/>
-              <a:t>10/21/17</a:t>
+              <a:t>5/13/18</a:t>
             </a:fld>
             <a:endParaRPr lang="en-US"/>
           </a:p>
@@ -1266,7 +1266,7 @@
           <a:p>
             <a:fld id="{07CFCC3F-9C50-4357-A512-F047B52B42A6}" type="datetimeFigureOut">
               <a:rPr lang="en-US" smtClean="0"/>
-              <a:t>10/21/17</a:t>
+              <a:t>5/13/18</a:t>
             </a:fld>
             <a:endParaRPr lang="en-US"/>
           </a:p>
@@ -1356,8 +1356,8 @@
         </p:nvSpPr>
         <p:spPr>
           <a:xfrm>
-            <a:off x="1137518" y="7051043"/>
-            <a:ext cx="12240181" cy="2179320"/>
+            <a:off x="853108" y="12029210"/>
+            <a:ext cx="9179799" cy="3717961"/>
           </a:xfrm>
         </p:spPr>
         <p:txBody>
@@ -1388,8 +1388,8 @@
         </p:nvSpPr>
         <p:spPr>
           <a:xfrm>
-            <a:off x="1137518" y="4650745"/>
-            <a:ext cx="12240181" cy="2400299"/>
+            <a:off x="853108" y="7934259"/>
+            <a:ext cx="9179799" cy="4094954"/>
           </a:xfrm>
         </p:spPr>
         <p:txBody>
@@ -1512,7 +1512,7 @@
           <a:p>
             <a:fld id="{07CFCC3F-9C50-4357-A512-F047B52B42A6}" type="datetimeFigureOut">
               <a:rPr lang="en-US" smtClean="0"/>
-              <a:t>10/21/17</a:t>
+              <a:t>5/13/18</a:t>
             </a:fld>
             <a:endParaRPr lang="en-US"/>
           </a:p>
@@ -1625,8 +1625,8 @@
         </p:nvSpPr>
         <p:spPr>
           <a:xfrm>
-            <a:off x="2267535" y="5377182"/>
-            <a:ext cx="20292800" cy="15206979"/>
+            <a:off x="1700589" y="9173573"/>
+            <a:ext cx="15219041" cy="25943388"/>
           </a:xfrm>
         </p:spPr>
         <p:txBody>
@@ -1710,8 +1710,8 @@
         </p:nvSpPr>
         <p:spPr>
           <a:xfrm>
-            <a:off x="22800338" y="5377182"/>
-            <a:ext cx="20292801" cy="15206979"/>
+            <a:off x="17099627" y="9173573"/>
+            <a:ext cx="15219041" cy="25943388"/>
           </a:xfrm>
         </p:spPr>
         <p:txBody>
@@ -1800,7 +1800,7 @@
           <a:p>
             <a:fld id="{07CFCC3F-9C50-4357-A512-F047B52B42A6}" type="datetimeFigureOut">
               <a:rPr lang="en-US" smtClean="0"/>
-              <a:t>10/21/17</a:t>
+              <a:t>5/13/18</a:t>
             </a:fld>
             <a:endParaRPr lang="en-US"/>
           </a:p>
@@ -1890,8 +1890,8 @@
         </p:nvSpPr>
         <p:spPr>
           <a:xfrm>
-            <a:off x="720011" y="439422"/>
-            <a:ext cx="12960192" cy="1828800"/>
+            <a:off x="539989" y="749663"/>
+            <a:ext cx="9719787" cy="3119967"/>
           </a:xfrm>
         </p:spPr>
         <p:txBody>
@@ -1922,8 +1922,8 @@
         </p:nvSpPr>
         <p:spPr>
           <a:xfrm>
-            <a:off x="720011" y="2456182"/>
-            <a:ext cx="6362595" cy="1023618"/>
+            <a:off x="539990" y="4190292"/>
+            <a:ext cx="4771771" cy="1746311"/>
           </a:xfrm>
         </p:spPr>
         <p:txBody>
@@ -1987,8 +1987,8 @@
         </p:nvSpPr>
         <p:spPr>
           <a:xfrm>
-            <a:off x="720011" y="3479799"/>
-            <a:ext cx="6362595" cy="6322062"/>
+            <a:off x="539990" y="5936602"/>
+            <a:ext cx="4771771" cy="10785555"/>
           </a:xfrm>
         </p:spPr>
         <p:txBody>
@@ -2072,8 +2072,8 @@
         </p:nvSpPr>
         <p:spPr>
           <a:xfrm>
-            <a:off x="7315112" y="2456182"/>
-            <a:ext cx="6365094" cy="1023618"/>
+            <a:off x="5486132" y="4190292"/>
+            <a:ext cx="4773646" cy="1746311"/>
           </a:xfrm>
         </p:spPr>
         <p:txBody>
@@ -2137,8 +2137,8 @@
         </p:nvSpPr>
         <p:spPr>
           <a:xfrm>
-            <a:off x="7315112" y="3479799"/>
-            <a:ext cx="6365094" cy="6322062"/>
+            <a:off x="5486132" y="5936602"/>
+            <a:ext cx="4773646" cy="10785555"/>
           </a:xfrm>
         </p:spPr>
         <p:txBody>
@@ -2227,7 +2227,7 @@
           <a:p>
             <a:fld id="{07CFCC3F-9C50-4357-A512-F047B52B42A6}" type="datetimeFigureOut">
               <a:rPr lang="en-US" smtClean="0"/>
-              <a:t>10/21/17</a:t>
+              <a:t>5/13/18</a:t>
             </a:fld>
             <a:endParaRPr lang="en-US"/>
           </a:p>
@@ -2345,7 +2345,7 @@
           <a:p>
             <a:fld id="{07CFCC3F-9C50-4357-A512-F047B52B42A6}" type="datetimeFigureOut">
               <a:rPr lang="en-US" smtClean="0"/>
-              <a:t>10/21/17</a:t>
+              <a:t>5/13/18</a:t>
             </a:fld>
             <a:endParaRPr lang="en-US"/>
           </a:p>
@@ -2440,7 +2440,7 @@
           <a:p>
             <a:fld id="{07CFCC3F-9C50-4357-A512-F047B52B42A6}" type="datetimeFigureOut">
               <a:rPr lang="en-US" smtClean="0"/>
-              <a:t>10/21/17</a:t>
+              <a:t>5/13/18</a:t>
             </a:fld>
             <a:endParaRPr lang="en-US"/>
           </a:p>
@@ -2530,8 +2530,8 @@
         </p:nvSpPr>
         <p:spPr>
           <a:xfrm>
-            <a:off x="720012" y="436881"/>
-            <a:ext cx="4737571" cy="1859280"/>
+            <a:off x="539991" y="745327"/>
+            <a:ext cx="3553047" cy="3171967"/>
           </a:xfrm>
         </p:spPr>
         <p:txBody>
@@ -2562,8 +2562,8 @@
         </p:nvSpPr>
         <p:spPr>
           <a:xfrm>
-            <a:off x="5630086" y="436884"/>
-            <a:ext cx="8050119" cy="9364981"/>
+            <a:off x="4222411" y="745335"/>
+            <a:ext cx="6037367" cy="15976831"/>
           </a:xfrm>
         </p:spPr>
         <p:txBody>
@@ -2647,8 +2647,8 @@
         </p:nvSpPr>
         <p:spPr>
           <a:xfrm>
-            <a:off x="720012" y="2296162"/>
-            <a:ext cx="4737571" cy="7505701"/>
+            <a:off x="539991" y="3917297"/>
+            <a:ext cx="3553047" cy="12804865"/>
           </a:xfrm>
         </p:spPr>
         <p:txBody>
@@ -2717,7 +2717,7 @@
           <a:p>
             <a:fld id="{07CFCC3F-9C50-4357-A512-F047B52B42A6}" type="datetimeFigureOut">
               <a:rPr lang="en-US" smtClean="0"/>
-              <a:t>10/21/17</a:t>
+              <a:t>5/13/18</a:t>
             </a:fld>
             <a:endParaRPr lang="en-US"/>
           </a:p>
@@ -2807,8 +2807,8 @@
         </p:nvSpPr>
         <p:spPr>
           <a:xfrm>
-            <a:off x="2822542" y="7680961"/>
-            <a:ext cx="8640128" cy="906781"/>
+            <a:off x="2116829" y="13103864"/>
+            <a:ext cx="6479858" cy="1546985"/>
           </a:xfrm>
         </p:spPr>
         <p:txBody>
@@ -2839,8 +2839,8 @@
         </p:nvSpPr>
         <p:spPr>
           <a:xfrm>
-            <a:off x="2822542" y="980440"/>
-            <a:ext cx="8640128" cy="6583680"/>
+            <a:off x="2116829" y="1672650"/>
+            <a:ext cx="6479858" cy="11231880"/>
           </a:xfrm>
         </p:spPr>
         <p:txBody>
@@ -2900,8 +2900,8 @@
         </p:nvSpPr>
         <p:spPr>
           <a:xfrm>
-            <a:off x="2822542" y="8587742"/>
-            <a:ext cx="8640128" cy="1287779"/>
+            <a:off x="2116829" y="14650847"/>
+            <a:ext cx="6479858" cy="2196975"/>
           </a:xfrm>
         </p:spPr>
         <p:txBody>
@@ -2970,7 +2970,7 @@
           <a:p>
             <a:fld id="{07CFCC3F-9C50-4357-A512-F047B52B42A6}" type="datetimeFigureOut">
               <a:rPr lang="en-US" smtClean="0"/>
-              <a:t>10/21/17</a:t>
+              <a:t>5/13/18</a:t>
             </a:fld>
             <a:endParaRPr lang="en-US"/>
           </a:p>
@@ -3065,8 +3065,8 @@
         </p:nvSpPr>
         <p:spPr>
           <a:xfrm>
-            <a:off x="720011" y="439422"/>
-            <a:ext cx="12960192" cy="1828800"/>
+            <a:off x="539989" y="749663"/>
+            <a:ext cx="9719787" cy="3119967"/>
           </a:xfrm>
           <a:prstGeom prst="rect">
             <a:avLst/>
@@ -3098,8 +3098,8 @@
         </p:nvSpPr>
         <p:spPr>
           <a:xfrm>
-            <a:off x="720011" y="2560322"/>
-            <a:ext cx="12960192" cy="7241541"/>
+            <a:off x="539989" y="4367957"/>
+            <a:ext cx="9719787" cy="12354203"/>
           </a:xfrm>
           <a:prstGeom prst="rect">
             <a:avLst/>
@@ -3160,8 +3160,8 @@
         </p:nvSpPr>
         <p:spPr>
           <a:xfrm>
-            <a:off x="720011" y="10170164"/>
-            <a:ext cx="3360050" cy="584200"/>
+            <a:off x="539989" y="17350489"/>
+            <a:ext cx="2519945" cy="996656"/>
           </a:xfrm>
           <a:prstGeom prst="rect">
             <a:avLst/>
@@ -3183,7 +3183,7 @@
           <a:p>
             <a:fld id="{07CFCC3F-9C50-4357-A512-F047B52B42A6}" type="datetimeFigureOut">
               <a:rPr lang="en-US" smtClean="0"/>
-              <a:t>10/21/17</a:t>
+              <a:t>5/13/18</a:t>
             </a:fld>
             <a:endParaRPr lang="en-US"/>
           </a:p>
@@ -3201,8 +3201,8 @@
         </p:nvSpPr>
         <p:spPr>
           <a:xfrm>
-            <a:off x="4920073" y="10170164"/>
-            <a:ext cx="4560067" cy="584200"/>
+            <a:off x="3689920" y="17350489"/>
+            <a:ext cx="3419925" cy="996656"/>
           </a:xfrm>
           <a:prstGeom prst="rect">
             <a:avLst/>
@@ -3238,8 +3238,8 @@
         </p:nvSpPr>
         <p:spPr>
           <a:xfrm>
-            <a:off x="10320153" y="10170164"/>
-            <a:ext cx="3360050" cy="584200"/>
+            <a:off x="7739831" y="17350489"/>
+            <a:ext cx="2519945" cy="996656"/>
           </a:xfrm>
           <a:prstGeom prst="rect">
             <a:avLst/>
@@ -3558,69 +3558,9 @@
           <a:chExt cx="0" cy="0"/>
         </a:xfrm>
       </p:grpSpPr>
-      <p:sp>
-        <p:nvSpPr>
-          <p:cNvPr id="3" name="TextBox 2"/>
-          <p:cNvSpPr txBox="1"/>
-          <p:nvPr/>
-        </p:nvSpPr>
-        <p:spPr>
-          <a:xfrm>
-            <a:off x="3439294" y="50172"/>
-            <a:ext cx="2310697" cy="846386"/>
-          </a:xfrm>
-          <a:prstGeom prst="rect">
-            <a:avLst/>
-          </a:prstGeom>
-          <a:noFill/>
-        </p:spPr>
-        <p:txBody>
-          <a:bodyPr wrap="none" rtlCol="0">
-            <a:spAutoFit/>
-          </a:bodyPr>
-          <a:lstStyle/>
-          <a:p>
-            <a:r>
-              <a:rPr lang="en-US" dirty="0" smtClean="0"/>
-              <a:t>SDprox1</a:t>
-            </a:r>
-            <a:endParaRPr lang="en-US" dirty="0"/>
-          </a:p>
-        </p:txBody>
-      </p:sp>
-      <p:sp>
-        <p:nvSpPr>
-          <p:cNvPr id="13" name="TextBox 12"/>
-          <p:cNvSpPr txBox="1"/>
-          <p:nvPr/>
-        </p:nvSpPr>
-        <p:spPr>
-          <a:xfrm>
-            <a:off x="9466056" y="15550"/>
-            <a:ext cx="2310697" cy="846386"/>
-          </a:xfrm>
-          <a:prstGeom prst="rect">
-            <a:avLst/>
-          </a:prstGeom>
-          <a:noFill/>
-        </p:spPr>
-        <p:txBody>
-          <a:bodyPr wrap="none" rtlCol="0">
-            <a:spAutoFit/>
-          </a:bodyPr>
-          <a:lstStyle/>
-          <a:p>
-            <a:r>
-              <a:rPr lang="en-US" smtClean="0"/>
-              <a:t>SDprox2</a:t>
-            </a:r>
-            <a:endParaRPr lang="en-US"/>
-          </a:p>
-        </p:txBody>
-      </p:sp>
       <p:pic>
         <p:nvPicPr>
-          <p:cNvPr id="2" name="Picture 1"/>
+          <p:cNvPr id="29" name="Picture 28"/>
           <p:cNvPicPr>
             <a:picLocks noChangeAspect="1"/>
           </p:cNvPicPr>
@@ -3640,8 +3580,8 @@
         </p:blipFill>
         <p:spPr>
           <a:xfrm>
-            <a:off x="1578142" y="755779"/>
-            <a:ext cx="6033000" cy="4984530"/>
+            <a:off x="87217" y="449943"/>
+            <a:ext cx="5285232" cy="4425696"/>
           </a:xfrm>
           <a:prstGeom prst="rect">
             <a:avLst/>
@@ -3650,7 +3590,7 @@
       </p:pic>
       <p:pic>
         <p:nvPicPr>
-          <p:cNvPr id="12" name="Picture 11"/>
+          <p:cNvPr id="30" name="Picture 29"/>
           <p:cNvPicPr>
             <a:picLocks noChangeAspect="1"/>
           </p:cNvPicPr>
@@ -3670,8 +3610,8 @@
         </p:blipFill>
         <p:spPr>
           <a:xfrm>
-            <a:off x="7611142" y="755780"/>
-            <a:ext cx="6033000" cy="4984530"/>
+            <a:off x="87217" y="4864753"/>
+            <a:ext cx="5285232" cy="4425696"/>
           </a:xfrm>
           <a:prstGeom prst="rect">
             <a:avLst/>
@@ -3680,7 +3620,7 @@
       </p:pic>
       <p:pic>
         <p:nvPicPr>
-          <p:cNvPr id="14" name="Picture 13"/>
+          <p:cNvPr id="31" name="Picture 30"/>
           <p:cNvPicPr>
             <a:picLocks noChangeAspect="1"/>
           </p:cNvPicPr>
@@ -3700,8 +3640,8 @@
         </p:blipFill>
         <p:spPr>
           <a:xfrm>
-            <a:off x="1578141" y="5740309"/>
-            <a:ext cx="6033001" cy="4984531"/>
+            <a:off x="5372449" y="4864753"/>
+            <a:ext cx="5285232" cy="4425696"/>
           </a:xfrm>
           <a:prstGeom prst="rect">
             <a:avLst/>
@@ -3710,7 +3650,7 @@
       </p:pic>
       <p:pic>
         <p:nvPicPr>
-          <p:cNvPr id="15" name="Picture 14"/>
+          <p:cNvPr id="32" name="Picture 31"/>
           <p:cNvPicPr>
             <a:picLocks noChangeAspect="1"/>
           </p:cNvPicPr>
@@ -3730,8 +3670,8 @@
         </p:blipFill>
         <p:spPr>
           <a:xfrm>
-            <a:off x="7611141" y="5740309"/>
-            <a:ext cx="6033001" cy="4984531"/>
+            <a:off x="5372449" y="444500"/>
+            <a:ext cx="5285232" cy="4425696"/>
           </a:xfrm>
           <a:prstGeom prst="rect">
             <a:avLst/>
@@ -3740,14 +3680,14 @@
       </p:pic>
       <p:sp>
         <p:nvSpPr>
-          <p:cNvPr id="16" name="TextBox 15"/>
+          <p:cNvPr id="33" name="TextBox 32"/>
           <p:cNvSpPr txBox="1"/>
           <p:nvPr/>
         </p:nvSpPr>
         <p:spPr>
-          <a:xfrm rot="16200000">
-            <a:off x="-1154847" y="7193423"/>
-            <a:ext cx="3952493" cy="1600438"/>
+          <a:xfrm>
+            <a:off x="4363865" y="-102498"/>
+            <a:ext cx="2017155" cy="743152"/>
           </a:xfrm>
           <a:prstGeom prst="rect">
             <a:avLst/>
@@ -3763,29 +3703,142 @@
             <a:pPr algn="ctr"/>
             <a:r>
               <a:rPr lang="en-US" dirty="0" smtClean="0"/>
-              <a:t>Intrinsic Noise </a:t>
-            </a:r>
-          </a:p>
-          <a:p>
-            <a:pPr algn="ctr"/>
-            <a:r>
-              <a:rPr lang="en-US" dirty="0" smtClean="0"/>
-              <a:t>Removed</a:t>
+              <a:t>SDprox1</a:t>
             </a:r>
             <a:endParaRPr lang="en-US" dirty="0"/>
           </a:p>
         </p:txBody>
       </p:sp>
-      <p:sp>
-        <p:nvSpPr>
-          <p:cNvPr id="17" name="TextBox 16"/>
+      <p:pic>
+        <p:nvPicPr>
+          <p:cNvPr id="34" name="Picture 33"/>
+          <p:cNvPicPr>
+            <a:picLocks noChangeAspect="1"/>
+          </p:cNvPicPr>
+          <p:nvPr/>
+        </p:nvPicPr>
+        <p:blipFill>
+          <a:blip r:embed="rId7">
+            <a:extLst>
+              <a:ext uri="{28A0092B-C50C-407E-A947-70E740481C1C}">
+                <a14:useLocalDpi xmlns:a14="http://schemas.microsoft.com/office/drawing/2010/main" val="0"/>
+              </a:ext>
+            </a:extLst>
+          </a:blip>
+          <a:stretch>
+            <a:fillRect/>
+          </a:stretch>
+        </p:blipFill>
+        <p:spPr>
+          <a:xfrm>
+            <a:off x="87211" y="9630078"/>
+            <a:ext cx="5285232" cy="4425696"/>
+          </a:xfrm>
+          <a:prstGeom prst="rect">
+            <a:avLst/>
+          </a:prstGeom>
+        </p:spPr>
+      </p:pic>
+      <p:pic>
+        <p:nvPicPr>
+          <p:cNvPr id="35" name="Picture 34"/>
+          <p:cNvPicPr>
+            <a:picLocks noChangeAspect="1"/>
+          </p:cNvPicPr>
+          <p:nvPr/>
+        </p:nvPicPr>
+        <p:blipFill>
+          <a:blip r:embed="rId8">
+            <a:extLst>
+              <a:ext uri="{28A0092B-C50C-407E-A947-70E740481C1C}">
+                <a14:useLocalDpi xmlns:a14="http://schemas.microsoft.com/office/drawing/2010/main" val="0"/>
+              </a:ext>
+            </a:extLst>
+          </a:blip>
+          <a:stretch>
+            <a:fillRect/>
+          </a:stretch>
+        </p:blipFill>
+        <p:spPr>
+          <a:xfrm>
+            <a:off x="5372446" y="9641293"/>
+            <a:ext cx="5285232" cy="4425696"/>
+          </a:xfrm>
+          <a:prstGeom prst="rect">
+            <a:avLst/>
+          </a:prstGeom>
+        </p:spPr>
+      </p:pic>
+      <p:pic>
+        <p:nvPicPr>
+          <p:cNvPr id="36" name="Picture 35"/>
+          <p:cNvPicPr>
+            <a:picLocks noChangeAspect="1"/>
+          </p:cNvPicPr>
+          <p:nvPr/>
+        </p:nvPicPr>
+        <p:blipFill>
+          <a:blip r:embed="rId9">
+            <a:extLst>
+              <a:ext uri="{28A0092B-C50C-407E-A947-70E740481C1C}">
+                <a14:useLocalDpi xmlns:a14="http://schemas.microsoft.com/office/drawing/2010/main" val="0"/>
+              </a:ext>
+            </a:extLst>
+          </a:blip>
+          <a:stretch>
+            <a:fillRect/>
+          </a:stretch>
+        </p:blipFill>
+        <p:spPr>
+          <a:xfrm>
+            <a:off x="87217" y="14078204"/>
+            <a:ext cx="5285232" cy="4425696"/>
+          </a:xfrm>
+          <a:prstGeom prst="rect">
+            <a:avLst/>
+          </a:prstGeom>
+        </p:spPr>
+      </p:pic>
+      <p:pic>
+        <p:nvPicPr>
+          <p:cNvPr id="37" name="Picture 36"/>
+          <p:cNvPicPr>
+            <a:picLocks noChangeAspect="1"/>
+          </p:cNvPicPr>
+          <p:nvPr/>
+        </p:nvPicPr>
+        <p:blipFill>
+          <a:blip r:embed="rId10">
+            <a:extLst>
+              <a:ext uri="{28A0092B-C50C-407E-A947-70E740481C1C}">
+                <a14:useLocalDpi xmlns:a14="http://schemas.microsoft.com/office/drawing/2010/main" val="0"/>
+              </a:ext>
+            </a:extLst>
+          </a:blip>
+          <a:stretch>
+            <a:fillRect/>
+          </a:stretch>
+        </p:blipFill>
+        <p:spPr>
+          <a:xfrm>
+            <a:off x="5372443" y="14066989"/>
+            <a:ext cx="5285232" cy="4425696"/>
+          </a:xfrm>
+          <a:prstGeom prst="rect">
+            <a:avLst/>
+          </a:prstGeom>
+        </p:spPr>
+      </p:pic>
+      <p:sp>
+        <p:nvSpPr>
+          <p:cNvPr id="38" name="TextBox 37"/>
           <p:cNvSpPr txBox="1"/>
           <p:nvPr/>
         </p:nvSpPr>
         <p:spPr>
-          <a:xfrm rot="16200000">
-            <a:off x="-223118" y="2526325"/>
-            <a:ext cx="2089033" cy="846386"/>
+          <a:xfrm>
+            <a:off x="4363865" y="9130236"/>
+            <a:ext cx="2017155" cy="743152"/>
           </a:xfrm>
           <a:prstGeom prst="rect">
             <a:avLst/>
@@ -3798,11 +3851,136 @@
           </a:bodyPr>
           <a:lstStyle/>
           <a:p>
-            <a:r>
-              <a:rPr lang="en-US" smtClean="0"/>
-              <a:t>Normal</a:t>
+            <a:pPr algn="ctr"/>
+            <a:r>
+              <a:rPr lang="en-US" dirty="0" smtClean="0"/>
+              <a:t>SDprox2</a:t>
             </a:r>
             <a:endParaRPr lang="en-US" dirty="0"/>
+          </a:p>
+        </p:txBody>
+      </p:sp>
+      <p:sp>
+        <p:nvSpPr>
+          <p:cNvPr id="2" name="TextBox 1"/>
+          <p:cNvSpPr txBox="1"/>
+          <p:nvPr/>
+        </p:nvSpPr>
+        <p:spPr>
+          <a:xfrm rot="16200000">
+            <a:off x="-1069690" y="2302589"/>
+            <a:ext cx="2590801" cy="246221"/>
+          </a:xfrm>
+          <a:prstGeom prst="rect">
+            <a:avLst/>
+          </a:prstGeom>
+          <a:solidFill>
+            <a:schemeClr val="bg1"/>
+          </a:solidFill>
+          <a:ln>
+            <a:solidFill>
+              <a:schemeClr val="bg1"/>
+            </a:solidFill>
+          </a:ln>
+        </p:spPr>
+        <p:txBody>
+          <a:bodyPr wrap="square" rtlCol="0">
+            <a:spAutoFit/>
+          </a:bodyPr>
+          <a:lstStyle/>
+          <a:p>
+            <a:pPr algn="ctr"/>
+            <a:r>
+              <a:rPr lang="en-US" sz="1000" dirty="0" smtClean="0">
+                <a:latin typeface="Arial" charset="0"/>
+                <a:ea typeface="Arial" charset="0"/>
+                <a:cs typeface="Arial" charset="0"/>
+              </a:rPr>
+              <a:t>Percent </a:t>
+            </a:r>
+            <a:r>
+              <a:rPr lang="en-US" sz="1000" i="1" dirty="0" smtClean="0">
+                <a:latin typeface="Arial" charset="0"/>
+                <a:ea typeface="Arial" charset="0"/>
+                <a:cs typeface="Arial" charset="0"/>
+              </a:rPr>
+              <a:t>In Vivo</a:t>
+            </a:r>
+            <a:r>
+              <a:rPr lang="en-US" sz="1000" dirty="0" smtClean="0">
+                <a:latin typeface="Arial" charset="0"/>
+                <a:ea typeface="Arial" charset="0"/>
+                <a:cs typeface="Arial" charset="0"/>
+              </a:rPr>
+              <a:t>-Like (%)</a:t>
+            </a:r>
+            <a:endParaRPr lang="en-US" sz="1000" dirty="0">
+              <a:latin typeface="Arial" charset="0"/>
+              <a:ea typeface="Arial" charset="0"/>
+              <a:cs typeface="Arial" charset="0"/>
+            </a:endParaRPr>
+          </a:p>
+        </p:txBody>
+      </p:sp>
+      <p:sp>
+        <p:nvSpPr>
+          <p:cNvPr id="13" name="TextBox 12"/>
+          <p:cNvSpPr txBox="1"/>
+          <p:nvPr/>
+        </p:nvSpPr>
+        <p:spPr>
+          <a:xfrm rot="16200000">
+            <a:off x="-1108143" y="11446590"/>
+            <a:ext cx="2590801" cy="246221"/>
+          </a:xfrm>
+          <a:prstGeom prst="rect">
+            <a:avLst/>
+          </a:prstGeom>
+          <a:solidFill>
+            <a:schemeClr val="bg1"/>
+          </a:solidFill>
+          <a:ln>
+            <a:solidFill>
+              <a:schemeClr val="bg1"/>
+            </a:solidFill>
+          </a:ln>
+        </p:spPr>
+        <p:txBody>
+          <a:bodyPr wrap="square" rtlCol="0">
+            <a:spAutoFit/>
+          </a:bodyPr>
+          <a:lstStyle/>
+          <a:p>
+            <a:pPr algn="ctr"/>
+            <a:r>
+              <a:rPr lang="en-US" sz="1000" dirty="0" smtClean="0">
+                <a:latin typeface="Arial" charset="0"/>
+                <a:ea typeface="Arial" charset="0"/>
+                <a:cs typeface="Arial" charset="0"/>
+              </a:rPr>
+              <a:t>Percent </a:t>
+            </a:r>
+            <a:r>
+              <a:rPr lang="en-US" sz="1000" i="1" dirty="0" smtClean="0">
+                <a:latin typeface="Arial" charset="0"/>
+                <a:ea typeface="Arial" charset="0"/>
+                <a:cs typeface="Arial" charset="0"/>
+              </a:rPr>
+              <a:t>In Vivo</a:t>
+            </a:r>
+            <a:r>
+              <a:rPr lang="en-US" sz="1000" dirty="0" smtClean="0">
+                <a:latin typeface="Arial" charset="0"/>
+                <a:ea typeface="Arial" charset="0"/>
+                <a:cs typeface="Arial" charset="0"/>
+              </a:rPr>
+              <a:t>-Like (%)</a:t>
+            </a:r>
+            <a:endParaRPr lang="en-US" sz="1000" dirty="0">
+              <a:latin typeface="Arial" charset="0"/>
+              <a:ea typeface="Arial" charset="0"/>
+              <a:cs typeface="Arial" charset="0"/>
+            </a:endParaRPr>
           </a:p>
         </p:txBody>
       </p:sp>
